--- a/Final_Report/InFinalReportEinpflegen (Fuer Jan)/presentation_sample/thomas_slides.pptx
+++ b/Final_Report/InFinalReportEinpflegen (Fuer Jan)/presentation_sample/thomas_slides.pptx
@@ -5,11 +5,12 @@
     <p:sldMasterId id="2147483750" r:id="rId1"/>
   </p:sldMasterIdLst>
   <p:notesMasterIdLst>
-    <p:notesMasterId r:id="rId4"/>
+    <p:notesMasterId r:id="rId5"/>
   </p:notesMasterIdLst>
   <p:sldIdLst>
     <p:sldId id="276" r:id="rId2"/>
     <p:sldId id="277" r:id="rId3"/>
+    <p:sldId id="278" r:id="rId4"/>
   </p:sldIdLst>
   <p:sldSz cx="9144000" cy="6858000" type="screen4x3"/>
   <p:notesSz cx="6858000" cy="9144000"/>
@@ -635,6 +636,95 @@
     <p:extLst>
       <p:ext uri="{BB962C8B-B14F-4D97-AF65-F5344CB8AC3E}">
         <p14:creationId xmlns:p14="http://schemas.microsoft.com/office/powerpoint/2010/main" val="823228381"/>
+      </p:ext>
+    </p:extLst>
+  </p:cSld>
+  <p:clrMapOvr>
+    <a:masterClrMapping/>
+  </p:clrMapOvr>
+</p:notes>
+</file>
+
+<file path=ppt/notesSlides/notesSlide3.xml><?xml version="1.0" encoding="utf-8"?>
+<p:notes xmlns:a="http://schemas.openxmlformats.org/drawingml/2006/main" xmlns:r="http://schemas.openxmlformats.org/officeDocument/2006/relationships" xmlns:p="http://schemas.openxmlformats.org/presentationml/2006/main">
+  <p:cSld>
+    <p:spTree>
+      <p:nvGrpSpPr>
+        <p:cNvPr id="1" name=""/>
+        <p:cNvGrpSpPr/>
+        <p:nvPr/>
+      </p:nvGrpSpPr>
+      <p:grpSpPr>
+        <a:xfrm>
+          <a:off x="0" y="0"/>
+          <a:ext cx="0" cy="0"/>
+          <a:chOff x="0" y="0"/>
+          <a:chExt cx="0" cy="0"/>
+        </a:xfrm>
+      </p:grpSpPr>
+      <p:sp>
+        <p:nvSpPr>
+          <p:cNvPr id="2" name="Slide Image Placeholder 1"/>
+          <p:cNvSpPr>
+            <a:spLocks noGrp="1" noRot="1" noChangeAspect="1"/>
+          </p:cNvSpPr>
+          <p:nvPr>
+            <p:ph type="sldImg"/>
+          </p:nvPr>
+        </p:nvSpPr>
+        <p:spPr>
+          <a:xfrm>
+            <a:off x="1371600" y="1143000"/>
+            <a:ext cx="4114800" cy="3086100"/>
+          </a:xfrm>
+        </p:spPr>
+      </p:sp>
+      <p:sp>
+        <p:nvSpPr>
+          <p:cNvPr id="3" name="Notes Placeholder 2"/>
+          <p:cNvSpPr>
+            <a:spLocks noGrp="1"/>
+          </p:cNvSpPr>
+          <p:nvPr>
+            <p:ph type="body" idx="1"/>
+          </p:nvPr>
+        </p:nvSpPr>
+        <p:spPr/>
+        <p:txBody>
+          <a:bodyPr/>
+          <a:lstStyle/>
+          <a:p>
+            <a:endParaRPr lang="de-DE"/>
+          </a:p>
+        </p:txBody>
+      </p:sp>
+      <p:sp>
+        <p:nvSpPr>
+          <p:cNvPr id="4" name="Slide Number Placeholder 3"/>
+          <p:cNvSpPr>
+            <a:spLocks noGrp="1"/>
+          </p:cNvSpPr>
+          <p:nvPr>
+            <p:ph type="sldNum" sz="quarter" idx="10"/>
+          </p:nvPr>
+        </p:nvSpPr>
+        <p:spPr/>
+        <p:txBody>
+          <a:bodyPr/>
+          <a:lstStyle/>
+          <a:p>
+            <a:fld id="{ACA256E8-5C37-4652-B0E1-C5A6E91068A6}" type="slidenum">
+              <a:rPr lang="de-DE" smtClean="0"/>
+              <a:t>3</a:t>
+            </a:fld>
+            <a:endParaRPr lang="de-DE"/>
+          </a:p>
+        </p:txBody>
+      </p:sp>
+    </p:spTree>
+    <p:extLst>
+      <p:ext uri="{BB962C8B-B14F-4D97-AF65-F5344CB8AC3E}">
+        <p14:creationId xmlns:p14="http://schemas.microsoft.com/office/powerpoint/2010/main" val="2500256680"/>
       </p:ext>
     </p:extLst>
   </p:cSld>
@@ -3730,7 +3820,7 @@
         <p:spPr>
           <a:xfrm>
             <a:off x="274004" y="190237"/>
-            <a:ext cx="3937488" cy="400110"/>
+            <a:ext cx="3986091" cy="400110"/>
           </a:xfrm>
           <a:prstGeom prst="rect">
             <a:avLst/>
@@ -3753,15 +3843,11 @@
             </a:r>
             <a:r>
               <a:rPr lang="de-DE" sz="2000" dirty="0" smtClean="0"/>
-              <a:t> Project: </a:t>
+              <a:t> Project: PID </a:t>
             </a:r>
             <a:r>
               <a:rPr lang="de-DE" sz="2000" dirty="0" smtClean="0"/>
-              <a:t>PID </a:t>
-            </a:r>
-            <a:r>
-              <a:rPr lang="de-DE" sz="2000" dirty="0" err="1" smtClean="0"/>
-              <a:t>regulators</a:t>
+              <a:t>Regulators</a:t>
             </a:r>
             <a:endParaRPr lang="de-DE" sz="2000" dirty="0"/>
           </a:p>
@@ -3944,7 +4030,7 @@
           <a:graphicData uri="http://schemas.openxmlformats.org/presentationml/2006/ole">
             <mc:AlternateContent xmlns:mc="http://schemas.openxmlformats.org/markup-compatibility/2006">
               <mc:Choice xmlns:v="urn:schemas-microsoft-com:vml" Requires="v">
-                <p:oleObj spid="_x0000_s1030" name="Document" r:id="rId5" imgW="5755102" imgH="3425164" progId="Word.Document.12">
+                <p:oleObj spid="_x0000_s1032" name="Document" r:id="rId5" imgW="5755102" imgH="3425164" progId="Word.Document.12">
                   <p:embed/>
                 </p:oleObj>
               </mc:Choice>
@@ -4052,31 +4138,7 @@
           <a:p>
             <a:r>
               <a:rPr lang="de-DE" sz="3000" b="1" dirty="0" err="1" smtClean="0"/>
-              <a:t>PID</a:t>
-            </a:r>
-            <a:r>
-              <a:rPr lang="de-DE" sz="3000" b="1" dirty="0" err="1" smtClean="0"/>
-              <a:t>T</a:t>
-            </a:r>
-            <a:r>
-              <a:rPr lang="de-DE" sz="3000" b="1" dirty="0" err="1" smtClean="0"/>
-              <a:t>o</a:t>
-            </a:r>
-            <a:r>
-              <a:rPr lang="de-DE" sz="3000" b="1" dirty="0" err="1" smtClean="0"/>
-              <a:t>M</a:t>
-            </a:r>
-            <a:r>
-              <a:rPr lang="de-DE" sz="3000" b="1" dirty="0" err="1" smtClean="0"/>
-              <a:t>otor</a:t>
-            </a:r>
-            <a:r>
-              <a:rPr lang="de-DE" sz="3000" b="1" dirty="0" err="1" smtClean="0"/>
-              <a:t>M</a:t>
-            </a:r>
-            <a:r>
-              <a:rPr lang="de-DE" sz="3000" b="1" dirty="0" err="1" smtClean="0"/>
-              <a:t>apper</a:t>
+              <a:t>PIDToMotorMapper</a:t>
             </a:r>
             <a:endParaRPr lang="de-DE" sz="3000" b="1" dirty="0"/>
           </a:p>
@@ -4453,7 +4515,7 @@
           <a:graphicData uri="http://schemas.openxmlformats.org/presentationml/2006/ole">
             <mc:AlternateContent xmlns:mc="http://schemas.openxmlformats.org/markup-compatibility/2006">
               <mc:Choice xmlns:v="urn:schemas-microsoft-com:vml" Requires="v">
-                <p:oleObj spid="_x0000_s2058" r:id="rId5" imgW="6067800" imgH="1028880" progId="opendocument.WriterDocument.1">
+                <p:oleObj spid="_x0000_s2060" r:id="rId5" imgW="6067800" imgH="1028880" progId="opendocument.WriterDocument.1">
                   <p:embed/>
                 </p:oleObj>
               </mc:Choice>
@@ -4498,8 +4560,8 @@
           </a:graphicData>
         </a:graphic>
       </p:graphicFrame>
-      <mc:AlternateContent xmlns:mc="http://schemas.openxmlformats.org/markup-compatibility/2006">
-        <mc:Choice xmlns:a14="http://schemas.microsoft.com/office/drawing/2010/main" Requires="a14">
+      <mc:AlternateContent xmlns:mc="http://schemas.openxmlformats.org/markup-compatibility/2006" xmlns:a14="http://schemas.microsoft.com/office/drawing/2010/main">
+        <mc:Choice Requires="a14">
           <p:sp>
             <p:nvSpPr>
               <p:cNvPr id="18" name="Textfeld 17"/>
@@ -4522,6 +4584,7 @@
               </a:bodyPr>
               <a:lstStyle/>
               <a:p>
+                <a:pPr/>
                 <a14:m>
                   <m:oMathPara xmlns:m="http://schemas.openxmlformats.org/officeDocument/2006/math">
                     <m:oMathParaPr>
@@ -4641,7 +4704,7 @@
             </p:txBody>
           </p:sp>
         </mc:Choice>
-        <mc:Fallback>
+        <mc:Fallback xmlns="">
           <p:sp>
             <p:nvSpPr>
               <p:cNvPr id="18" name="Textfeld 17"/>
@@ -4760,6 +4823,638 @@
     <p:extLst>
       <p:ext uri="{BB962C8B-B14F-4D97-AF65-F5344CB8AC3E}">
         <p14:creationId xmlns:p14="http://schemas.microsoft.com/office/powerpoint/2010/main" val="3528778742"/>
+      </p:ext>
+    </p:extLst>
+  </p:cSld>
+  <p:clrMapOvr>
+    <a:masterClrMapping/>
+  </p:clrMapOvr>
+</p:sld>
+</file>
+
+<file path=ppt/slides/slide3.xml><?xml version="1.0" encoding="utf-8"?>
+<p:sld xmlns:a="http://schemas.openxmlformats.org/drawingml/2006/main" xmlns:r="http://schemas.openxmlformats.org/officeDocument/2006/relationships" xmlns:p="http://schemas.openxmlformats.org/presentationml/2006/main">
+  <p:cSld>
+    <p:spTree>
+      <p:nvGrpSpPr>
+        <p:cNvPr id="1" name=""/>
+        <p:cNvGrpSpPr/>
+        <p:nvPr/>
+      </p:nvGrpSpPr>
+      <p:grpSpPr>
+        <a:xfrm>
+          <a:off x="0" y="0"/>
+          <a:ext cx="0" cy="0"/>
+          <a:chOff x="0" y="0"/>
+          <a:chExt cx="0" cy="0"/>
+        </a:xfrm>
+      </p:grpSpPr>
+      <p:sp>
+        <p:nvSpPr>
+          <p:cNvPr id="5" name="TextBox 4"/>
+          <p:cNvSpPr txBox="1"/>
+          <p:nvPr/>
+        </p:nvSpPr>
+        <p:spPr>
+          <a:xfrm>
+            <a:off x="329426" y="1210949"/>
+            <a:ext cx="3470630" cy="553998"/>
+          </a:xfrm>
+          <a:prstGeom prst="rect">
+            <a:avLst/>
+          </a:prstGeom>
+          <a:noFill/>
+        </p:spPr>
+        <p:txBody>
+          <a:bodyPr wrap="none" rtlCol="0">
+            <a:spAutoFit/>
+          </a:bodyPr>
+          <a:lstStyle/>
+          <a:p>
+            <a:r>
+              <a:rPr lang="de-DE" sz="3000" b="1" dirty="0" err="1" smtClean="0"/>
+              <a:t>PIDToMotorMapper</a:t>
+            </a:r>
+            <a:endParaRPr lang="de-DE" sz="3000" b="1" dirty="0"/>
+          </a:p>
+        </p:txBody>
+      </p:sp>
+      <p:sp>
+        <p:nvSpPr>
+          <p:cNvPr id="8" name="Slide Number Placeholder 7"/>
+          <p:cNvSpPr>
+            <a:spLocks noGrp="1"/>
+          </p:cNvSpPr>
+          <p:nvPr>
+            <p:ph type="sldNum" sz="quarter" idx="12"/>
+          </p:nvPr>
+        </p:nvSpPr>
+        <p:spPr>
+          <a:xfrm>
+            <a:off x="4479500" y="6349470"/>
+            <a:ext cx="363641" cy="365125"/>
+          </a:xfrm>
+        </p:spPr>
+        <p:txBody>
+          <a:bodyPr/>
+          <a:lstStyle/>
+          <a:p>
+            <a:pPr algn="ctr"/>
+            <a:fld id="{E2CFAF74-B2E6-4153-882D-B5265360E8DB}" type="slidenum">
+              <a:rPr lang="de-DE" sz="1350" b="1" smtClean="0">
+                <a:solidFill>
+                  <a:schemeClr val="accent5"/>
+                </a:solidFill>
+              </a:rPr>
+              <a:pPr algn="ctr"/>
+              <a:t>3</a:t>
+            </a:fld>
+            <a:endParaRPr lang="de-DE" b="1" dirty="0">
+              <a:solidFill>
+                <a:schemeClr val="accent5"/>
+              </a:solidFill>
+            </a:endParaRPr>
+          </a:p>
+        </p:txBody>
+      </p:sp>
+      <p:pic>
+        <p:nvPicPr>
+          <p:cNvPr id="9" name="Picture 8"/>
+          <p:cNvPicPr>
+            <a:picLocks noChangeAspect="1"/>
+          </p:cNvPicPr>
+          <p:nvPr/>
+        </p:nvPicPr>
+        <p:blipFill>
+          <a:blip r:embed="rId3" cstate="print">
+            <a:extLst>
+              <a:ext uri="{28A0092B-C50C-407E-A947-70E740481C1C}">
+                <a14:useLocalDpi xmlns:a14="http://schemas.microsoft.com/office/drawing/2010/main" val="0"/>
+              </a:ext>
+            </a:extLst>
+          </a:blip>
+          <a:stretch>
+            <a:fillRect/>
+          </a:stretch>
+        </p:blipFill>
+        <p:spPr>
+          <a:xfrm>
+            <a:off x="7800967" y="0"/>
+            <a:ext cx="1232964" cy="838415"/>
+          </a:xfrm>
+          <a:prstGeom prst="rect">
+            <a:avLst/>
+          </a:prstGeom>
+        </p:spPr>
+      </p:pic>
+      <p:sp>
+        <p:nvSpPr>
+          <p:cNvPr id="10" name="TextBox 9"/>
+          <p:cNvSpPr txBox="1"/>
+          <p:nvPr/>
+        </p:nvSpPr>
+        <p:spPr>
+          <a:xfrm>
+            <a:off x="7804107" y="838415"/>
+            <a:ext cx="1229824" cy="461665"/>
+          </a:xfrm>
+          <a:prstGeom prst="rect">
+            <a:avLst/>
+          </a:prstGeom>
+          <a:noFill/>
+        </p:spPr>
+        <p:txBody>
+          <a:bodyPr wrap="none" rtlCol="0">
+            <a:spAutoFit/>
+          </a:bodyPr>
+          <a:lstStyle/>
+          <a:p>
+            <a:pPr algn="ctr"/>
+            <a:r>
+              <a:rPr lang="en-US" sz="1200" dirty="0" smtClean="0"/>
+              <a:t>University of</a:t>
+            </a:r>
+          </a:p>
+          <a:p>
+            <a:pPr algn="ctr"/>
+            <a:r>
+              <a:rPr lang="en-US" sz="1200" dirty="0" smtClean="0"/>
+              <a:t>Applied Sciences</a:t>
+            </a:r>
+            <a:endParaRPr lang="en-US" sz="1200" dirty="0"/>
+          </a:p>
+        </p:txBody>
+      </p:sp>
+      <p:sp>
+        <p:nvSpPr>
+          <p:cNvPr id="11" name="Rectangle 10"/>
+          <p:cNvSpPr/>
+          <p:nvPr/>
+        </p:nvSpPr>
+        <p:spPr>
+          <a:xfrm>
+            <a:off x="-1" y="728141"/>
+            <a:ext cx="7501467" cy="144959"/>
+          </a:xfrm>
+          <a:prstGeom prst="rect">
+            <a:avLst/>
+          </a:prstGeom>
+          <a:solidFill>
+            <a:schemeClr val="accent1"/>
+          </a:solidFill>
+          <a:ln>
+            <a:noFill/>
+          </a:ln>
+        </p:spPr>
+        <p:style>
+          <a:lnRef idx="2">
+            <a:schemeClr val="accent1">
+              <a:shade val="50000"/>
+            </a:schemeClr>
+          </a:lnRef>
+          <a:fillRef idx="1">
+            <a:schemeClr val="accent1"/>
+          </a:fillRef>
+          <a:effectRef idx="0">
+            <a:schemeClr val="accent1"/>
+          </a:effectRef>
+          <a:fontRef idx="minor">
+            <a:schemeClr val="lt1"/>
+          </a:fontRef>
+        </p:style>
+        <p:txBody>
+          <a:bodyPr rtlCol="0" anchor="ctr"/>
+          <a:lstStyle/>
+          <a:p>
+            <a:pPr algn="ctr"/>
+            <a:endParaRPr lang="de-DE"/>
+          </a:p>
+        </p:txBody>
+      </p:sp>
+      <p:sp>
+        <p:nvSpPr>
+          <p:cNvPr id="12" name="TextBox 11"/>
+          <p:cNvSpPr txBox="1"/>
+          <p:nvPr/>
+        </p:nvSpPr>
+        <p:spPr>
+          <a:xfrm>
+            <a:off x="274004" y="190237"/>
+            <a:ext cx="3593741" cy="400110"/>
+          </a:xfrm>
+          <a:prstGeom prst="rect">
+            <a:avLst/>
+          </a:prstGeom>
+          <a:noFill/>
+        </p:spPr>
+        <p:txBody>
+          <a:bodyPr wrap="none" rtlCol="0">
+            <a:spAutoFit/>
+          </a:bodyPr>
+          <a:lstStyle/>
+          <a:p>
+            <a:r>
+              <a:rPr lang="de-DE" sz="2000" dirty="0" smtClean="0"/>
+              <a:t>The X-</a:t>
+            </a:r>
+            <a:r>
+              <a:rPr lang="de-DE" sz="2000" dirty="0" err="1" smtClean="0"/>
+              <a:t>Copter</a:t>
+            </a:r>
+            <a:r>
+              <a:rPr lang="de-DE" sz="2000" dirty="0" smtClean="0"/>
+              <a:t> Project: </a:t>
+            </a:r>
+            <a:r>
+              <a:rPr lang="de-DE" sz="2000" dirty="0" err="1" smtClean="0"/>
+              <a:t>Challenges</a:t>
+            </a:r>
+            <a:endParaRPr lang="de-DE" sz="2000" dirty="0"/>
+          </a:p>
+        </p:txBody>
+      </p:sp>
+      <p:sp>
+        <p:nvSpPr>
+          <p:cNvPr id="14" name="Rectangle 13"/>
+          <p:cNvSpPr/>
+          <p:nvPr/>
+        </p:nvSpPr>
+        <p:spPr>
+          <a:xfrm>
+            <a:off x="0" y="6493933"/>
+            <a:ext cx="4479501" cy="76200"/>
+          </a:xfrm>
+          <a:prstGeom prst="rect">
+            <a:avLst/>
+          </a:prstGeom>
+          <a:solidFill>
+            <a:schemeClr val="accent1"/>
+          </a:solidFill>
+          <a:ln>
+            <a:noFill/>
+          </a:ln>
+        </p:spPr>
+        <p:style>
+          <a:lnRef idx="2">
+            <a:schemeClr val="accent1">
+              <a:shade val="50000"/>
+            </a:schemeClr>
+          </a:lnRef>
+          <a:fillRef idx="1">
+            <a:schemeClr val="accent1"/>
+          </a:fillRef>
+          <a:effectRef idx="0">
+            <a:schemeClr val="accent1"/>
+          </a:effectRef>
+          <a:fontRef idx="minor">
+            <a:schemeClr val="lt1"/>
+          </a:fontRef>
+        </p:style>
+        <p:txBody>
+          <a:bodyPr rtlCol="0" anchor="ctr"/>
+          <a:lstStyle/>
+          <a:p>
+            <a:pPr algn="ctr"/>
+            <a:endParaRPr lang="de-DE"/>
+          </a:p>
+        </p:txBody>
+      </p:sp>
+      <p:sp>
+        <p:nvSpPr>
+          <p:cNvPr id="15" name="Rectangle 14"/>
+          <p:cNvSpPr/>
+          <p:nvPr/>
+        </p:nvSpPr>
+        <p:spPr>
+          <a:xfrm>
+            <a:off x="4859443" y="6493933"/>
+            <a:ext cx="4287092" cy="76200"/>
+          </a:xfrm>
+          <a:prstGeom prst="rect">
+            <a:avLst/>
+          </a:prstGeom>
+          <a:solidFill>
+            <a:schemeClr val="accent1"/>
+          </a:solidFill>
+          <a:ln>
+            <a:noFill/>
+          </a:ln>
+        </p:spPr>
+        <p:style>
+          <a:lnRef idx="2">
+            <a:schemeClr val="accent1">
+              <a:shade val="50000"/>
+            </a:schemeClr>
+          </a:lnRef>
+          <a:fillRef idx="1">
+            <a:schemeClr val="accent1"/>
+          </a:fillRef>
+          <a:effectRef idx="0">
+            <a:schemeClr val="accent1"/>
+          </a:effectRef>
+          <a:fontRef idx="minor">
+            <a:schemeClr val="lt1"/>
+          </a:fontRef>
+        </p:style>
+        <p:txBody>
+          <a:bodyPr rtlCol="0" anchor="ctr"/>
+          <a:lstStyle/>
+          <a:p>
+            <a:pPr algn="ctr"/>
+            <a:endParaRPr lang="de-DE"/>
+          </a:p>
+        </p:txBody>
+      </p:sp>
+      <p:sp>
+        <p:nvSpPr>
+          <p:cNvPr id="4" name="Rectangle 2"/>
+          <p:cNvSpPr>
+            <a:spLocks noChangeArrowheads="1"/>
+          </p:cNvSpPr>
+          <p:nvPr/>
+        </p:nvSpPr>
+        <p:spPr bwMode="auto">
+          <a:xfrm>
+            <a:off x="540199" y="1996003"/>
+            <a:ext cx="10644323" cy="45719"/>
+          </a:xfrm>
+          <a:prstGeom prst="rect">
+            <a:avLst/>
+          </a:prstGeom>
+          <a:noFill/>
+          <a:ln>
+            <a:noFill/>
+          </a:ln>
+          <a:effectLst/>
+          <a:extLst>
+            <a:ext uri="{909E8E84-426E-40DD-AFC4-6F175D3DCCD1}">
+              <a14:hiddenFill xmlns:a14="http://schemas.microsoft.com/office/drawing/2010/main">
+                <a:solidFill>
+                  <a:schemeClr val="accent1"/>
+                </a:solidFill>
+              </a14:hiddenFill>
+            </a:ext>
+            <a:ext uri="{91240B29-F687-4F45-9708-019B960494DF}">
+              <a14:hiddenLine xmlns:a14="http://schemas.microsoft.com/office/drawing/2010/main" w="9525">
+                <a:solidFill>
+                  <a:schemeClr val="tx1"/>
+                </a:solidFill>
+                <a:miter lim="800000"/>
+                <a:headEnd/>
+                <a:tailEnd/>
+              </a14:hiddenLine>
+            </a:ext>
+            <a:ext uri="{AF507438-7753-43E0-B8FC-AC1667EBCBE1}">
+              <a14:hiddenEffects xmlns:a14="http://schemas.microsoft.com/office/drawing/2010/main">
+                <a:effectLst>
+                  <a:outerShdw dist="35921" dir="2700000" algn="ctr" rotWithShape="0">
+                    <a:schemeClr val="bg2"/>
+                  </a:outerShdw>
+                </a:effectLst>
+              </a14:hiddenEffects>
+            </a:ext>
+          </a:extLst>
+        </p:spPr>
+        <p:txBody>
+          <a:bodyPr vert="horz" wrap="square" lIns="91440" tIns="45720" rIns="91440" bIns="45720" numCol="1" anchor="ctr" anchorCtr="0" compatLnSpc="1">
+            <a:prstTxWarp prst="textNoShape">
+              <a:avLst/>
+            </a:prstTxWarp>
+            <a:spAutoFit/>
+          </a:bodyPr>
+          <a:lstStyle/>
+          <a:p>
+            <a:endParaRPr lang="de-DE"/>
+          </a:p>
+        </p:txBody>
+      </p:sp>
+      <p:sp>
+        <p:nvSpPr>
+          <p:cNvPr id="2" name="Textfeld 1"/>
+          <p:cNvSpPr txBox="1"/>
+          <p:nvPr/>
+        </p:nvSpPr>
+        <p:spPr>
+          <a:xfrm>
+            <a:off x="329426" y="2216859"/>
+            <a:ext cx="5877574" cy="2585323"/>
+          </a:xfrm>
+          <a:prstGeom prst="rect">
+            <a:avLst/>
+          </a:prstGeom>
+          <a:noFill/>
+        </p:spPr>
+        <p:txBody>
+          <a:bodyPr wrap="square" rtlCol="0">
+            <a:spAutoFit/>
+          </a:bodyPr>
+          <a:lstStyle/>
+          <a:p>
+            <a:endParaRPr lang="de-DE" dirty="0" smtClean="0"/>
+          </a:p>
+          <a:p>
+            <a:r>
+              <a:rPr lang="de-DE" dirty="0" smtClean="0"/>
+              <a:t>At </a:t>
+            </a:r>
+            <a:r>
+              <a:rPr lang="de-DE" dirty="0" err="1" smtClean="0"/>
+              <a:t>this</a:t>
+            </a:r>
+            <a:r>
+              <a:rPr lang="de-DE" dirty="0" smtClean="0"/>
+              <a:t> </a:t>
+            </a:r>
+            <a:r>
+              <a:rPr lang="de-DE" dirty="0" err="1" smtClean="0"/>
+              <a:t>point</a:t>
+            </a:r>
+            <a:r>
+              <a:rPr lang="de-DE" dirty="0" smtClean="0"/>
+              <a:t> in time </a:t>
+            </a:r>
+            <a:r>
+              <a:rPr lang="de-DE" dirty="0" err="1" smtClean="0"/>
+              <a:t>the</a:t>
+            </a:r>
+            <a:r>
+              <a:rPr lang="de-DE" dirty="0" smtClean="0"/>
+              <a:t> </a:t>
+            </a:r>
+            <a:r>
+              <a:rPr lang="de-DE" dirty="0" err="1" smtClean="0"/>
+              <a:t>output</a:t>
+            </a:r>
+            <a:r>
+              <a:rPr lang="de-DE" dirty="0" smtClean="0"/>
+              <a:t> </a:t>
+            </a:r>
+            <a:r>
+              <a:rPr lang="de-DE" dirty="0" err="1" smtClean="0"/>
+              <a:t>values</a:t>
+            </a:r>
+            <a:r>
+              <a:rPr lang="de-DE" dirty="0"/>
+              <a:t> </a:t>
+            </a:r>
+            <a:r>
+              <a:rPr lang="de-DE" dirty="0" err="1" smtClean="0"/>
+              <a:t>aren´t</a:t>
+            </a:r>
+            <a:r>
+              <a:rPr lang="de-DE" dirty="0" smtClean="0"/>
+              <a:t> </a:t>
+            </a:r>
+            <a:r>
+              <a:rPr lang="de-DE" dirty="0" err="1" smtClean="0"/>
+              <a:t>correct</a:t>
+            </a:r>
+            <a:r>
+              <a:rPr lang="de-DE" dirty="0" smtClean="0"/>
+              <a:t>!!!</a:t>
+            </a:r>
+          </a:p>
+          <a:p>
+            <a:endParaRPr lang="de-DE" dirty="0"/>
+          </a:p>
+          <a:p>
+            <a:endParaRPr lang="de-DE" b="1" dirty="0" smtClean="0"/>
+          </a:p>
+          <a:p>
+            <a:endParaRPr lang="de-DE" b="1" dirty="0"/>
+          </a:p>
+          <a:p>
+            <a:r>
+              <a:rPr lang="de-DE" b="1" dirty="0" err="1" smtClean="0"/>
+              <a:t>Possible</a:t>
+            </a:r>
+            <a:r>
+              <a:rPr lang="de-DE" b="1" dirty="0" smtClean="0"/>
+              <a:t> </a:t>
+            </a:r>
+            <a:r>
+              <a:rPr lang="de-DE" b="1" dirty="0" err="1" smtClean="0"/>
+              <a:t>errors</a:t>
+            </a:r>
+            <a:r>
+              <a:rPr lang="de-DE" b="1" dirty="0" smtClean="0"/>
+              <a:t>:</a:t>
+            </a:r>
+          </a:p>
+          <a:p>
+            <a:endParaRPr lang="de-DE" dirty="0"/>
+          </a:p>
+          <a:p>
+            <a:pPr marL="285750" indent="-285750">
+              <a:buFontTx/>
+              <a:buChar char="-"/>
+            </a:pPr>
+            <a:r>
+              <a:rPr lang="de-DE" dirty="0" err="1" smtClean="0"/>
+              <a:t>Wrong</a:t>
+            </a:r>
+            <a:r>
+              <a:rPr lang="de-DE" dirty="0" smtClean="0"/>
+              <a:t> </a:t>
+            </a:r>
+            <a:r>
+              <a:rPr lang="de-DE" dirty="0" err="1" smtClean="0"/>
+              <a:t>input</a:t>
+            </a:r>
+            <a:r>
+              <a:rPr lang="de-DE" dirty="0" smtClean="0"/>
+              <a:t> </a:t>
+            </a:r>
+            <a:r>
+              <a:rPr lang="de-DE" dirty="0" err="1" smtClean="0"/>
+              <a:t>ranges</a:t>
+            </a:r>
+            <a:r>
+              <a:rPr lang="de-DE" dirty="0" smtClean="0"/>
+              <a:t> </a:t>
+            </a:r>
+            <a:r>
+              <a:rPr lang="de-DE" dirty="0" err="1" smtClean="0"/>
+              <a:t>because</a:t>
+            </a:r>
+            <a:r>
+              <a:rPr lang="de-DE" dirty="0" smtClean="0"/>
+              <a:t> </a:t>
+            </a:r>
+            <a:r>
+              <a:rPr lang="de-DE" dirty="0" err="1" smtClean="0"/>
+              <a:t>of</a:t>
+            </a:r>
+            <a:r>
+              <a:rPr lang="de-DE" dirty="0" smtClean="0"/>
+              <a:t> a </a:t>
+            </a:r>
+            <a:r>
+              <a:rPr lang="de-DE" dirty="0" err="1" smtClean="0"/>
+              <a:t>wrong</a:t>
+            </a:r>
+            <a:r>
+              <a:rPr lang="de-DE" dirty="0" smtClean="0"/>
+              <a:t> </a:t>
+            </a:r>
+            <a:r>
+              <a:rPr lang="de-DE" dirty="0" err="1" smtClean="0"/>
+              <a:t>conversion</a:t>
+            </a:r>
+            <a:r>
+              <a:rPr lang="de-DE" dirty="0" smtClean="0"/>
+              <a:t> </a:t>
+            </a:r>
+          </a:p>
+          <a:p>
+            <a:pPr marL="285750" indent="-285750">
+              <a:buFontTx/>
+              <a:buChar char="-"/>
+            </a:pPr>
+            <a:r>
+              <a:rPr lang="de-DE" dirty="0" smtClean="0"/>
+              <a:t>Logical </a:t>
+            </a:r>
+            <a:r>
+              <a:rPr lang="de-DE" dirty="0" err="1" smtClean="0"/>
+              <a:t>error</a:t>
+            </a:r>
+            <a:r>
+              <a:rPr lang="de-DE" dirty="0" smtClean="0"/>
+              <a:t> in </a:t>
+            </a:r>
+            <a:r>
+              <a:rPr lang="de-DE" dirty="0" err="1" smtClean="0"/>
+              <a:t>the</a:t>
+            </a:r>
+            <a:r>
+              <a:rPr lang="de-DE" dirty="0" smtClean="0"/>
+              <a:t> </a:t>
+            </a:r>
+            <a:r>
+              <a:rPr lang="de-DE" dirty="0" err="1" smtClean="0"/>
+              <a:t>module</a:t>
+            </a:r>
+            <a:r>
+              <a:rPr lang="de-DE" dirty="0" smtClean="0"/>
+              <a:t> </a:t>
+            </a:r>
+            <a:r>
+              <a:rPr lang="de-DE" dirty="0" err="1" smtClean="0"/>
+              <a:t>itself</a:t>
+            </a:r>
+            <a:r>
+              <a:rPr lang="de-DE" dirty="0" smtClean="0"/>
+              <a:t> </a:t>
+            </a:r>
+            <a:endParaRPr lang="de-DE" dirty="0"/>
+          </a:p>
+        </p:txBody>
+      </p:sp>
+    </p:spTree>
+    <p:extLst>
+      <p:ext uri="{BB962C8B-B14F-4D97-AF65-F5344CB8AC3E}">
+        <p14:creationId xmlns:p14="http://schemas.microsoft.com/office/powerpoint/2010/main" val="3868130448"/>
       </p:ext>
     </p:extLst>
   </p:cSld>
